--- a/Semana 1/Clase 1 Curso.pptx
+++ b/Semana 1/Clase 1 Curso.pptx
@@ -2101,7 +2101,7 @@
           <a:p>
             <a:fld id="{7F8E3347-EFDA-483A-9E95-BDA4F3B6010F}" type="datetimeFigureOut">
               <a:rPr lang="en-US" smtClean="0"/>
-              <a:t>2/1/21</a:t>
+              <a:t>2/2/21</a:t>
             </a:fld>
             <a:endParaRPr lang="en-US"/>
           </a:p>
@@ -2327,7 +2327,7 @@
           <a:p>
             <a:fld id="{7F8E3347-EFDA-483A-9E95-BDA4F3B6010F}" type="datetimeFigureOut">
               <a:rPr lang="en-US" smtClean="0"/>
-              <a:t>2/1/21</a:t>
+              <a:t>2/2/21</a:t>
             </a:fld>
             <a:endParaRPr lang="en-US"/>
           </a:p>
@@ -2601,7 +2601,7 @@
           <a:p>
             <a:fld id="{7F8E3347-EFDA-483A-9E95-BDA4F3B6010F}" type="datetimeFigureOut">
               <a:rPr lang="en-US" smtClean="0"/>
-              <a:t>2/1/21</a:t>
+              <a:t>2/2/21</a:t>
             </a:fld>
             <a:endParaRPr lang="en-US"/>
           </a:p>
@@ -3115,7 +3115,7 @@
           <a:p>
             <a:fld id="{7F8E3347-EFDA-483A-9E95-BDA4F3B6010F}" type="datetimeFigureOut">
               <a:rPr lang="en-US" smtClean="0"/>
-              <a:t>2/1/21</a:t>
+              <a:t>2/2/21</a:t>
             </a:fld>
             <a:endParaRPr lang="en-US"/>
           </a:p>
@@ -3468,7 +3468,7 @@
           <a:p>
             <a:fld id="{7F8E3347-EFDA-483A-9E95-BDA4F3B6010F}" type="datetimeFigureOut">
               <a:rPr lang="en-US" smtClean="0"/>
-              <a:t>2/1/21</a:t>
+              <a:t>2/2/21</a:t>
             </a:fld>
             <a:endParaRPr lang="en-US"/>
           </a:p>
@@ -3761,7 +3761,7 @@
           <a:p>
             <a:fld id="{7F8E3347-EFDA-483A-9E95-BDA4F3B6010F}" type="datetimeFigureOut">
               <a:rPr lang="en-US" smtClean="0"/>
-              <a:t>2/1/21</a:t>
+              <a:t>2/2/21</a:t>
             </a:fld>
             <a:endParaRPr lang="en-US"/>
           </a:p>
@@ -4158,7 +4158,7 @@
           <a:p>
             <a:fld id="{7F8E3347-EFDA-483A-9E95-BDA4F3B6010F}" type="datetimeFigureOut">
               <a:rPr lang="en-US" smtClean="0"/>
-              <a:t>2/1/21</a:t>
+              <a:t>2/2/21</a:t>
             </a:fld>
             <a:endParaRPr lang="en-US"/>
           </a:p>
@@ -4294,7 +4294,7 @@
           <a:p>
             <a:fld id="{7F8E3347-EFDA-483A-9E95-BDA4F3B6010F}" type="datetimeFigureOut">
               <a:rPr lang="en-US" smtClean="0"/>
-              <a:t>2/1/21</a:t>
+              <a:t>2/2/21</a:t>
             </a:fld>
             <a:endParaRPr lang="en-US"/>
           </a:p>
@@ -4483,7 +4483,7 @@
           <a:p>
             <a:fld id="{7F8E3347-EFDA-483A-9E95-BDA4F3B6010F}" type="datetimeFigureOut">
               <a:rPr lang="en-US" smtClean="0"/>
-              <a:t>2/1/21</a:t>
+              <a:t>2/2/21</a:t>
             </a:fld>
             <a:endParaRPr lang="en-US"/>
           </a:p>
@@ -4855,7 +4855,7 @@
           <a:p>
             <a:fld id="{7F8E3347-EFDA-483A-9E95-BDA4F3B6010F}" type="datetimeFigureOut">
               <a:rPr lang="en-US" smtClean="0"/>
-              <a:t>2/1/21</a:t>
+              <a:t>2/2/21</a:t>
             </a:fld>
             <a:endParaRPr lang="en-US"/>
           </a:p>
@@ -5250,7 +5250,7 @@
           <a:p>
             <a:fld id="{7F8E3347-EFDA-483A-9E95-BDA4F3B6010F}" type="datetimeFigureOut">
               <a:rPr lang="en-US" smtClean="0"/>
-              <a:t>2/1/21</a:t>
+              <a:t>2/2/21</a:t>
             </a:fld>
             <a:endParaRPr lang="en-US"/>
           </a:p>
@@ -5555,7 +5555,7 @@
           <a:p>
             <a:fld id="{7F8E3347-EFDA-483A-9E95-BDA4F3B6010F}" type="datetimeFigureOut">
               <a:rPr lang="en-US" smtClean="0"/>
-              <a:t>2/1/21</a:t>
+              <a:t>2/2/21</a:t>
             </a:fld>
             <a:endParaRPr lang="en-US"/>
           </a:p>
@@ -19020,7 +19020,23 @@
                   <a:schemeClr val="bg1"/>
                 </a:solidFill>
               </a:rPr>
-              <a:t>Problema</a:t>
+              <a:t>Análisis</a:t>
+            </a:r>
+            <a:r>
+              <a:rPr lang="en-US" dirty="0">
+                <a:solidFill>
+                  <a:schemeClr val="bg1"/>
+                </a:solidFill>
+              </a:rPr>
+              <a:t> de </a:t>
+            </a:r>
+            <a:r>
+              <a:rPr lang="en-US" dirty="0" err="1">
+                <a:solidFill>
+                  <a:schemeClr val="bg1"/>
+                </a:solidFill>
+              </a:rPr>
+              <a:t>problemas</a:t>
             </a:r>
             <a:endParaRPr lang="en-US" dirty="0">
               <a:solidFill>
@@ -19078,7 +19094,39 @@
                   <a:schemeClr val="bg1"/>
                 </a:solidFill>
               </a:rPr>
-              <a:t>Análisis</a:t>
+              <a:t>Ejercicios</a:t>
+            </a:r>
+            <a:r>
+              <a:rPr lang="en-US" dirty="0">
+                <a:solidFill>
+                  <a:schemeClr val="bg1"/>
+                </a:solidFill>
+              </a:rPr>
+              <a:t> </a:t>
+            </a:r>
+            <a:r>
+              <a:rPr lang="en-US" dirty="0" err="1">
+                <a:solidFill>
+                  <a:schemeClr val="bg1"/>
+                </a:solidFill>
+              </a:rPr>
+              <a:t>en</a:t>
+            </a:r>
+            <a:r>
+              <a:rPr lang="en-US" dirty="0">
+                <a:solidFill>
+                  <a:schemeClr val="bg1"/>
+                </a:solidFill>
+              </a:rPr>
+              <a:t> </a:t>
+            </a:r>
+            <a:r>
+              <a:rPr lang="en-US" dirty="0" err="1">
+                <a:solidFill>
+                  <a:schemeClr val="bg1"/>
+                </a:solidFill>
+              </a:rPr>
+              <a:t>clase</a:t>
             </a:r>
             <a:endParaRPr lang="en-US" dirty="0">
               <a:solidFill>
